--- a/vue项目答辩.pptx
+++ b/vue项目答辩.pptx
@@ -6808,7 +6808,25 @@
                 </a:solidFill>
                 <a:uFillTx/>
               </a:rPr>
-              <a:t>当没有添加商品时，显示开始购物页面，点击按钮通过路由跳转首页添加商品跳转商品详情页，点击加入购物车，购物车按钮右上方会显示添加个数，同时通过axios.post将数据添加到后台http://localhost:6500/product，刷新时还会存在，再点击购物车按钮通过axios.post获取后台存入的数据，并存入data的对象中，通过v-for进行迭代渲染到页面，在通过axios.delete找出相对应的id并进行删除。</a:t>
+              <a:t>当没有添加商品时，显示开始购物页面，点击按钮通过路由跳转首页添加商品跳转商品详情页，点击加入购物车，购物车按钮右上方会显示添加个数，同时通过axios.post将数据添加到后台http://localhost:6500/</a:t>
+            </a:r>
+            <a:r>
+              <a:rPr lang="en-US" altLang="zh-CN" sz="2400" dirty="0">
+                <a:solidFill>
+                  <a:schemeClr val="tx1"/>
+                </a:solidFill>
+                <a:uFillTx/>
+              </a:rPr>
+              <a:t>uselogin</a:t>
+            </a:r>
+            <a:r>
+              <a:rPr lang="zh-CN" altLang="en-US" sz="2400" dirty="0">
+                <a:solidFill>
+                  <a:schemeClr val="tx1"/>
+                </a:solidFill>
+                <a:uFillTx/>
+              </a:rPr>
+              <a:t>，绑定用户名，再点击购物车按钮通过axios.post获取后台存入的数据，并存入data的对象中，通过v-for进行迭代渲染到页面，在通过存入后台的产品下标进行删除</a:t>
             </a:r>
             <a:endParaRPr lang="zh-CN" altLang="en-US" sz="2400" dirty="0">
               <a:solidFill>
